--- a/final_presentation_eng.pptx
+++ b/final_presentation_eng.pptx
@@ -5069,8 +5069,7 @@
             </a:pPr>
             <a:r>
               <a:rPr/>
-              <a:t>Here is a short introductory sentence:
-"The integration of Artificial Intelligence (AI) in education has revolutionized the way students learn and teachers teach, offering a multitude of benefits and opportunities to enhance the overall learning experience."</a:t>
+              <a:t>Artificial intelligence (AI) is transforming the education sector by providing personalized learning experiences, automating administrative tasks, and improving student outcomes.</a:t>
             </a:r>
           </a:p>
         </p:txBody>
@@ -5235,8 +5234,7 @@
             </a:pPr>
             <a:r>
               <a:rPr/>
-              <a:t>Here is a brief introduction to the topic "AI for personalized learning":
-In recent years, the education sector has witnessed a significant shift towards personalized learning, where students' individual needs, abilities, and learning styles are taken into account to tailor the learning experience. Artificial Intelligence (AI) has emerged as a powerful tool to facilitate this transformation, enabling educators to create customized learning paths for each student. By leveraging AI's capabilities in data analysis, natural language processing, and machine learning, educators can now create highly effective and engaging learning experiences that cater to each student's unique strengths, weaknesses, and learning preferences. This innovative approach has the potential to revolutionize the way we learn, making education more efficient, effective, and enjoyable for students of all ages and backgrounds.</a:t>
+              <a:t>Artificial intelligence has transformed the way we learn by enabling personalized education tailored to individual students' needs, abilities, and learning styles. With AI-powered adaptive learning systems, educators can create customized lesson plans, track student progress, and provide real-time feedback, leading to improved academic outcomes and increased student engagement.</a:t>
             </a:r>
             <a:r>
               <a:rPr/>
@@ -5384,12 +5382,11 @@
             </a:pPr>
             <a:r>
               <a:rPr/>
-              <a:t>Here are the key advantages of using AI for personalized learning in education:
-• **Tailored instruction**: AI can analyze individual students' strengths, weaknesses, and learning styles to provide customized lesson plans and adaptive assessments, ensuring each student receives relevant and effective instruction.
-• **Efficient grading and feedback**: AI-powered tools can automate grading and provide immediate feedback, freeing up instructors to focus on teaching and mentoring, and reducing the workload associated with grading.
-• **Real-time monitoring and adaptation**: AI can continuously monitor students' progress and adjust instruction in real-time, allowing for precise targeting of areas where students need additional support or enrichment.
-• **Scalability and accessibility**: AI-powered personalized learning platforms can reach a large number of students, making high-quality education more accessible and equitable, particularly for students in remote or underserved areas.
-• **Data-driven insights**: AI can analyze vast amounts of educational data to identify trends, patterns, and correlations, providing educators with valuable insights to inform instructional decisions and improve student outcomes.</a:t>
+              <a:t>• Provides tailored learning experiences based on individual students' needs, abilities, and learning styles
+• Offers real-time feedback and assessment, enabling teachers to track student progress and adjust instruction accordingly
+• Enhances student engagement through interactive and gamified learning experiences
+• Supports differentiated instruction, catering to diverse learning needs and abilities
+• Automates administrative tasks, freeing up instructors to focus on teaching and mentoring</a:t>
             </a:r>
             <a:r>
               <a:rPr/>
@@ -5533,20 +5530,12 @@
             </a:pPr>
             <a:r>
               <a:rPr/>
-              <a:t>Here are some practical examples of applying AI for personalized learning in education:
-1. **Adaptive Assessments**: AI-powered adaptive assessments adjust their difficulty level and content based on a student's performance, providing a more accurate measure of their knowledge and skills.
-Example: DreamBox Learning's math program uses AI to adjust the difficulty level of math problems based on a student's performance, ensuring they're always challenged but not overwhelmed.
-2. **Intelligent Tutoring Systems**: AI-powered chatbots or virtual assistants provide one-on-one support to students, offering real-time feedback and guidance on complex topics.
-Example: Carnegie Learning's Cognitive Tutor system uses AI to provide personalized math and science instruction to students, adapting to their learning style and pace.
-3. **Content Recommendations**: AI algorithms analyze a student's learning history and preferences to recommend personalized learning content, such as videos, articles, or simulations.
-Example: McGraw-Hill's ALEKS system uses AI to recommend personalized learning content to students, based on their strengths, weaknesses, and learning goals.
-4. **Automated Grading**: AI-powered grading systems quickly and accurately assess student assignments, freeing up instructors to focus on teaching and feedback.
-Example: Gradescope's AI-powered grading system uses machine learning algorithms to automatically grade student assignments, reducing grading time by up to 90%.
-5. **Learning Analytics**: AI-powered analytics platforms provide insights into student learning behavior, helping educators identify areas of improvement and develop targeted interventions.
-Example: BrightBytes' Clarity system uses AI to analyze student learning data, providing educators with actionable insights to improve student outcomes and achievement.
-6. **Virtual Learning Environments**: AI-powered virtual learning environments simulate real-world scenarios, allowing students to engage in interactive and immersive learning experiences.
-Example: zSpace's virtual reality platform uses AI to create interactive, 3D learning experiences for students, enhancing engagement and understanding of complex concepts.
-These are just a few examples of how AI is being applied to personalize learning in education. By leveraging AI, educators can create more effective, efficient, and engaging learning experiences for students.</a:t>
+              <a:t>AI-powered adaptive learning systems use student data and algorithms to adjust the difficulty level and content of educational materials in real-time. Examples include:
+* Khan Academy's adaptive math platform, which adjusts the difficulty of math problems based on a student's performance and learning pace.
+* DreamBox's math software, which uses AI to identify areas where students need extra support and provides personalized lessons and exercises.
+* Coursera's adaptive learning platform, which uses machine learning to adjust the difficulty level of online courses based on a student's performance and learning style.
+* Duolingo's language-learning app, which uses AI to adjust the difficulty level of language lessons and provide personalized feedback and encouragement.
+* Knewton's adaptive learning platform, which uses AI to adjust the difficulty level of educational content and provide personalized feedback and recommendations to students.</a:t>
             </a:r>
             <a:r>
               <a:rPr/>
@@ -5690,7 +5679,7 @@
             </a:pPr>
             <a:r>
               <a:rPr/>
-              <a:t>The future potential of AI for personalized learning in English is vast and promising, with significant development prospects on the horizon. As AI technology advances, it is expected to revolutionize the way students learn English by providing tailored instruction, real-time feedback, and adaptive assessments. AI-powered learning platforms will be able to analyze individual student data, learning styles, and abilities to create customized lesson plans, making learning more efficient and effective. Additionally, AI-driven chatbots and virtual assistants will enable students to practice conversational skills, receive instant feedback, and engage in interactive discussions. Furthermore, AI-powered adaptive assessments will help teachers identify knowledge gaps and adjust instruction accordingly, ensuring that students are well-prepared for standardized tests and future academic success. As AI continues to evolve, it is likely to play a crucial role in shaping the future of English language learning, enabling students to achieve their full potential and become confident communicators in the global community.</a:t>
+              <a:t>As AI technology continues to advance, its potential for personalized learning in English is vast and exciting. AI-powered adaptive learning systems can analyze individual students' learning styles, strengths, and weaknesses to create customized lesson plans and exercises, tailoring the learning experience to each student's needs. AI-driven chatbots and virtual teaching assistants can provide real-time feedback, guidance, and support, freeing up human teachers to focus on more complex and creative tasks. Additionally, AI can help identify knowledge gaps and skill deficiencies, allowing educators to target specific areas for improvement. With AI, students can learn at their own pace, accelerating their progress and achieving better outcomes. As AI continues to evolve, it is likely to transform the way we learn English, making it more efficient, effective, and enjoyable for students of all ages and abilities.</a:t>
             </a:r>
             <a:r>
               <a:rPr/>
@@ -5830,7 +5819,7 @@
             </a:pPr>
             <a:r>
               <a:rPr/>
-              <a:t>In conclusion, the application of Artificial Intelligence (AI) in education has transformative potential to revolutionize the way we learn and teach. By leveraging AI's capabilities in personalized learning, adaptive assessment, and intelligent tutoring systems, educators can create more effective and efficient learning experiences that cater to individual students' needs and abilities. Additionally, AI-powered tools can help reduce teacher workload, improve student engagement, and enhance the overall quality of education. As AI continues to evolve and become more accessible, it is crucial that educators, policymakers, and industry leaders work together to develop and implement AI-based solutions that prioritize equity, inclusivity, and human values, ultimately leading to a more intelligent and empathetic education system that benefits students and society as a whole.</a:t>
+              <a:t>Artificial intelligence has the potential to revolutionize the education sector by enhancing the learning experience, improving student outcomes, and increasing efficiency. By leveraging AI-powered tools, educators can personalize learning paths, provide real-time feedback, and identify knowledge gaps, leading to better academic performance and increased student engagement. Additionally, AI can help automate administrative tasks, freeing up instructors to focus on teaching and mentoring. As AI continues to evolve, its applications in education will only continue to grow, enabling a more effective, efficient, and student-centered learning environment.</a:t>
             </a:r>
           </a:p>
         </p:txBody>
@@ -5970,8 +5959,7 @@
             </a:pPr>
             <a:r>
               <a:rPr/>
-              <a:t>Here is a brief introduction to the topic "AI for Content Generation":
-The rapid advancement of Artificial Intelligence (AI) has revolutionized the way we create and consume content. AI-powered tools have enabled the generation of high-quality content at unprecedented speeds and scales, transforming the way businesses, organizations, and individuals produce and disseminate information. AI for content generation refers to the use of machine learning algorithms and natural language processing techniques to automatically create, edit, and refine content such as text, images, videos, and audio files. This technology has the potential to transform industries such as marketing, journalism, education, and entertainment, and is poised to change the way we interact with information and each other. In this topic, we will explore the applications, benefits, and challenges of AI-powered content generation, and examine the implications for the future of content creation.</a:t>
+              <a:t>Artificial intelligence has revolutionized the way we create and consume content. AI-powered tools can generate high-quality content quickly and efficiently, from blog posts and social media updates to entire books and scripts. These tools use natural language processing and machine learning algorithms to analyze vast amounts of data and produce human-like content that is engaging, informative, and relevant. With the increasing demand for content and the need for businesses to stay competitive, AI for content generation is becoming an essential tool for marketers, writers, and communicators.</a:t>
             </a:r>
             <a:r>
               <a:rPr/>
@@ -6119,12 +6107,11 @@
             </a:pPr>
             <a:r>
               <a:rPr/>
-              <a:t>Here are the key advantages of using AI for content generation in education:
-• **Personalization**: AI-generated content can be tailored to individual students' learning styles, abilities, and needs, improving engagement and understanding.
-• **Efficiency**: AI can quickly generate large volumes of high-quality content, reducing the workload and time spent by educators on content creation.
-• **Customization**: AI can create customized content for specific courses, topics, or learning objectives, ensuring that students receive relevant and accurate information.
-• **Scalability**: AI-generated content can be easily scaled up or down to accommodate changing curriculum requirements or student enrollment.
-• **Consistency**: AI can ensure consistency in content quality, tone, and language, reducing errors and improving overall educational experience.</a:t>
+              <a:t>• Personalized learning experiences for students with tailored content and recommendations.
+• Increased efficiency and reduced workload for instructors with automated grading and feedback.
+• Enhanced accessibility and inclusivity with AI-generated content in multiple languages and formats.
+• Improved student engagement with interactive and immersive learning experiences.
+• Scalability and flexibility with AI-generated content that can be easily updated and revised.</a:t>
             </a:r>
             <a:r>
               <a:rPr/>
@@ -6268,20 +6255,12 @@
             </a:pPr>
             <a:r>
               <a:rPr/>
-              <a:t>Here are some practical examples of applying AI for content generation in education in English:
-1. **Automated Quiz Generation**: AI-powered platforms can generate quizzes based on educational content, such as textbooks, online courses, or educational standards. This helps teachers save time and creates a more personalized learning experience for students.
-Example: Quizzify, a platform that uses AI to generate quizzes based on educational content, has been used by teachers to create quizzes for their students.
-2. **AI-Generated Learning Paths**: AI algorithms can analyze a student's learning behavior, strengths, and weaknesses to create customized learning paths. This helps students focus on areas where they need improvement and accelerates their learning process.
-Example: DreamBox, a math education platform, uses AI to create personalized learning paths for students, adapting to their learning style and pace.
-3. **Content Summarization**: AI-powered tools can summarize lengthy educational content, such as articles, videos, or podcasts, into concise and easily digestible summaries, helping students quickly grasp key concepts.
-Example: Summarize.ai, a platform that uses AI to summarize educational content, has been used by students and teachers to quickly grasp complex topics.
-4. **AI-Generated Flashcards**: AI algorithms can generate flashcards based on educational content, helping students memorize key terms, concepts, and formulas.
-Example: Anki, a popular flashcard app, uses AI to generate flashcards based on user input, helping students memorize large amounts of information.
-5. **AI-Assisted Essay Writing**: AI-powered tools can assist students in writing essays by providing suggestions for structure, grammar, and sentence structure, helping to improve the overall quality of their writing.
-Example: Grammarly, a writing tool, uses AI to suggest grammar corrections, sentence structure improvements, and even provides suggestions for essay structure and content.
-6. **AI-Generated Virtual Field Trips**: AI-powered platforms can create immersive virtual field trips, allowing students to explore historical sites, museums, or other educational destinations remotely.
-Example: Discovr, a platform that uses AI to create virtual field trips, has been used by teachers to take their students on virtual tours of historical sites and museums.
-These are just a few examples of how AI is being applied in education to generate content and improve the learning experience. As AI technology continues to evolve, we can expect to see even more innovative applications in the future!</a:t>
+              <a:t>AI-powered chatbots can assist students with homework and project-related queries, providing instant answers and guidance. For instance, a chatbot can help a student with a math problem, explaining the solution step-by-step.
+AI-generated quizzes and assessments can be used to evaluate student understanding and provide personalized feedback. AI can also analyze student performance data to identify knowledge gaps and suggest targeted interventions.
+AI-driven virtual teaching assistants can facilitate remote learning by providing real-time support and engagement. For instance, an AI-powered virtual teaching assistant can lead a virtual classroom discussion, ask questions, and provide feedback to students.
+AI-powered content creation tools can help educators generate customized learning materials, such as interactive lessons, games, and simulations. For instance, an AI-powered tool can create a customized lesson plan based on a student's learning style and pace.
+AI-driven adaptive learning systems can adjust the difficulty level of course materials based on a student's performance. For instance, an AI-driven adaptive learning system can reduce the difficulty level of a math problem if a student is struggling, and increase it if they are performing well.
+AI-powered language translation tools can help educators communicate with students who speak different languages, facilitating global learning and collaboration. For instance, an AI-powered translation tool can translate a teacher's lecture into multiple languages in real-time.</a:t>
             </a:r>
             <a:r>
               <a:rPr/>
@@ -6425,7 +6404,7 @@
             </a:pPr>
             <a:r>
               <a:rPr/>
-              <a:t>The future potential of AI for content generation in English is vast and promising, with significant development prospects in the coming years. As AI technology continues to advance, we can expect to see more sophisticated language models capable of generating high-quality, human-like content at scale. This could revolutionize industries such as publishing, marketing, and education, where AI-generated content could supplement or even replace human writers. Additionally, AI-powered content generation could enable the creation of customized content for individual users, tailoring messages to specific audiences and improving engagement. Furthermore, AI-generated content could also help to reduce the content creation burden on human writers, freeing them up to focus on higher-level creative tasks. As AI technology continues to evolve, we can expect to see even more innovative applications of AI-generated content, such as the creation of interactive stories, personalized news feeds, and immersive educational experiences.</a:t>
+              <a:t>AI for content generation has the potential to revolutionize the way we create and consume written content, enabling the production of high-quality, engaging, and personalized content at scale. As AI technology advances, we can expect to see significant improvements in natural language processing, allowing AI-powered content generators to better understand context, tone, and style. This could lead to the development of AI-driven content creation tools that can produce high-quality content faster and more efficiently than human writers, freeing up human creatives to focus on more strategic and high-level tasks. Additionally, AI-generated content could be used to augment human content, providing a new level of personalization and customization, and potentially opening up new revenue streams for content creators and publishers.</a:t>
             </a:r>
             <a:r>
               <a:rPr/>
@@ -6573,8 +6552,7 @@
             </a:pPr>
             <a:r>
               <a:rPr/>
-              <a:t>Here is a brief introduction for the topic "AI for Curriculum Development":
-The rapid advancement of Artificial Intelligence (AI) has transformed various aspects of education, including curriculum development. As the demand for personalized and effective learning experiences continues to grow, AI is being increasingly utilized to support the creation of curricula that are tailored to individual students' needs, abilities, and learning styles. AI-powered tools can analyze vast amounts of educational data, identify knowledge gaps, and generate customized lesson plans that cater to diverse learners. Moreover, AI can facilitate the development of adaptive assessments, provide real-time feedback, and even help teachers create engaging multimedia content. As AI continues to evolve, its potential to revolutionize the curriculum development process is vast, offering a new paradigm for educators to design and deliver high-quality educational experiences that prepare students for success in the 21st century.</a:t>
+              <a:t>Artificial Intelligence (AI) has revolutionized various aspects of education, and curriculum development is no exception. Traditional methods of curriculum development often rely on human expertise, which can be time-consuming, labor-intensive, and prone to biases. AI-powered tools can help streamline the process, leveraging data analytics and machine learning algorithms to identify trends, patterns, and correlations. This enables the creation of more personalized, effective, and adaptive curricula that cater to diverse learning needs.</a:t>
             </a:r>
             <a:r>
               <a:rPr/>
@@ -6722,12 +6700,11 @@
             </a:pPr>
             <a:r>
               <a:rPr/>
-              <a:t>Here are the key advantages of using AI for curriculum development in education:
-• **Personalization**: AI can help create customized learning paths for individual students, taking into account their learning style, pace, and abilities.
-• **Efficiency**: AI can automate the process of curriculum development, freeing up educators' time to focus on more important tasks, such as teaching and mentoring.
-• **Scalability**: AI can quickly and easily create and update curriculum content, making it easier to scale educational programs to large numbers of students.
-• **Data-driven insights**: AI can analyze vast amounts of educational data to identify trends, patterns, and areas for improvement, helping educators to refine their curriculum and teaching methods.
-• **Cost-effective**: AI can reduce the costs associated with curriculum development, such as printing and distributing physical materials, and help make high-quality educational content more accessible to a wider range of students.</a:t>
+              <a:t>• Personalized learning: AI can create customized learning paths for students based on their individual needs, abilities, and learning styles.
+• Scalability: AI can develop and update curriculum materials at a much faster rate and larger scale than human teachers, making it ideal for large classrooms or online courses.
+• Adaptability: AI can adjust curriculum content and difficulty level in real-time based on student performance and feedback, ensuring that students are always challenged and engaged.
+• Enhanced accessibility: AI can provide real-time translation, text-to-speech, and speech-to-text functionality, making learning materials more accessible to students with disabilities.
+• Data-driven decision making: AI can analyze student performance data and provide insights to educators, helping them identify areas of improvement and make data-driven decisions about curriculum development.</a:t>
             </a:r>
             <a:r>
               <a:rPr/>
@@ -6871,18 +6848,13 @@
             </a:pPr>
             <a:r>
               <a:rPr/>
-              <a:t>Here are some practical examples of applying AI for curriculum development in education in English:
-1. **Personalized Learning Paths**: AI-powered adaptive learning systems create customized learning paths for students based on their strengths, weaknesses, and learning style, ensuring that they receive targeted instruction and support.
-2. **Intelligent Tutoring Systems**: AI-powered chatbots and virtual assistants provide one-on-one support to students, offering real-time feedback, guidance, and assessments to help them master specific skills or concepts.
-3. **Curriculum Mapping and Alignment**: AI algorithms analyze educational standards, benchmarks, and learning objectives to create detailed maps of curricula, ensuring that they are aligned, coherent, and easy to implement.
-4. **Automated Content Generation**: AI-powered tools generate high-quality, engaging educational content, such as videos, simulations, and interactive activities, reducing the time and effort required for content creation.
-5. **Assessment and Feedback**: AI-driven assessment tools provide instant feedback to students, teachers, and parents, offering insights into student performance, strengths, and areas for improvement.
-6. **Natural Language Processing (NLP)**: AI-powered NLP tools analyze student responses to open-ended questions, providing insights into their thinking, understanding, and communication skills.
-7. **Data-Driven Instruction**: AI-powered data analytics tools help teachers identify trends, patterns, and correlations in student data, enabling them to make data-driven decisions about instruction and curriculum development.
-8. **Game-Based Learning**: AI-powered game design tools create engaging, interactive learning experiences that adapt to students' skills and knowledge levels, promoting active learning and fun.
-9. **Virtual Field Trips**: AI-powered virtual reality tools simulate real-world experiences, allowing students to explore new environments, cultures, and historical events in a safe and controlled setting.
-10. **Teacher Support and Professional Development**: AI-powered tools provide teachers with personalized support, resources, and professional development opportunities, helping them stay updated on best practices and curriculum developments.
-These examples illustrate how AI can enhance the curriculum development process, making it more efficient, effective, and student-centered.</a:t>
+              <a:t>AI can be used to analyze large datasets of educational content, identifying patterns and trends to inform curriculum development. For example:
+* AI-powered content analysis can help identify gaps in existing curricula, ensuring that new curriculum is comprehensive and relevant.
+* AI-driven adaptive learning systems can provide personalized learning pathways for students, allowing for more effective use of teaching resources.
+* AI-assisted curriculum design can help educators create more engaging and interactive lesson plans, incorporating multimedia and gamification elements.
+* AI-powered analytics can track student progress and identify areas where students may need additional support, enabling targeted interventions and improved student outcomes.
+* AI-driven natural language processing can help analyze and generate educational content, such as textbooks and assessments, more efficiently and accurately.
+* AI-assisted teacher training can provide personalized coaching and feedback to teachers, helping them develop more effective teaching strategies and improve student outcomes.</a:t>
             </a:r>
             <a:r>
               <a:rPr/>
@@ -7026,7 +6998,7 @@
             </a:pPr>
             <a:r>
               <a:rPr/>
-              <a:t>The future potential and development prospects of AI for curriculum development in English are vast and exciting. AI-powered tools can revolutionize the way curricula are designed, developed, and delivered, enabling personalized learning experiences tailored to individual students' needs and abilities. With AI-driven natural language processing and machine learning algorithms, curricula can be generated more efficiently and effectively, incorporating real-time feedback and assessment data to inform instruction. AI can also help identify knowledge gaps and learning patterns, allowing educators to refine their teaching strategies and improve student outcomes. Moreover, AI can facilitate collaboration and knowledge sharing among educators, enabling the development of more comprehensive and inclusive curricula. As AI continues to evolve, it is likely to play an increasingly prominent role in shaping the future of English language education, enhancing the quality and effectiveness of curriculum development, and ultimately, improving student learning outcomes.</a:t>
+              <a:t>AI has the potential to revolutionize curriculum development in English by generating personalized learning pathways, adapting to individual students' learning styles and needs, and providing real-time feedback. Advanced natural language processing and machine learning algorithms can analyze vast amounts of educational data to identify effective teaching methods, optimize lesson plans, and create engaging multimedia content. AI-powered chatbots and virtual assistants can also facilitate one-on-one tutoring, enabling students to receive targeted support and guidance. Furthermore, AI can help teachers to identify knowledge gaps, track student progress, and develop data-driven assessments, ultimately leading to improved student outcomes and more effective instruction.</a:t>
             </a:r>
             <a:r>
               <a:rPr/>
